--- a/result.pptx
+++ b/result.pptx
@@ -3824,8 +3824,8 @@
         </p:nvSpPr>
         <p:spPr>
           <a:xfrm>
-            <a:off x="7439487" y="459543"/>
-            <a:ext cx="4358936" cy="1938992"/>
+            <a:off x="8078680" y="415155"/>
+            <a:ext cx="3613211" cy="1200329"/>
           </a:xfrm>
           <a:prstGeom prst="rect">
             <a:avLst/>
@@ -3846,36 +3846,23 @@
           <a:p>
             <a:r>
               <a:rPr lang="en-US" altLang="zh-CN" sz="2400" dirty="0"/>
-              <a:t>Dt = 0.001</a:t>
+              <a:t>Dx = 0.005</a:t>
             </a:r>
           </a:p>
           <a:p>
             <a:r>
               <a:rPr lang="en-US" altLang="zh-CN" sz="2400" dirty="0"/>
-              <a:t>Dx = 0.005</a:t>
-            </a:r>
-          </a:p>
-          <a:p>
-            <a:r>
-              <a:rPr lang="en-US" altLang="zh-CN" sz="2400" dirty="0"/>
-              <a:t>L = 20</a:t>
-            </a:r>
-          </a:p>
-          <a:p>
-            <a:r>
-              <a:rPr lang="en-US" altLang="zh-CN" sz="2400"/>
-              <a:t>V = 0.001</a:t>
-            </a:r>
-            <a:endParaRPr lang="zh-CN" altLang="en-US" sz="2400" dirty="0"/>
+              <a:t>Tol = 1e-9</a:t>
+            </a:r>
           </a:p>
         </p:txBody>
       </p:sp>
       <p:pic>
         <p:nvPicPr>
-          <p:cNvPr id="3" name="图片 2">
-            <a:extLst>
-              <a:ext uri="{FF2B5EF4-FFF2-40B4-BE49-F238E27FC236}">
-                <a16:creationId xmlns:a16="http://schemas.microsoft.com/office/drawing/2014/main" id="{DB6F99E7-AEB1-4157-BB19-2A1CAB2366B2}"/>
+          <p:cNvPr id="7" name="图片 6">
+            <a:extLst>
+              <a:ext uri="{FF2B5EF4-FFF2-40B4-BE49-F238E27FC236}">
+                <a16:creationId xmlns:a16="http://schemas.microsoft.com/office/drawing/2014/main" id="{D98B0408-6068-4C06-8384-5E1F22A7797A}"/>
               </a:ext>
             </a:extLst>
           </p:cNvPr>
@@ -3898,8 +3885,8 @@
         </p:blipFill>
         <p:spPr>
           <a:xfrm>
-            <a:off x="560491" y="361242"/>
-            <a:ext cx="6550522" cy="5921112"/>
+            <a:off x="162621" y="0"/>
+            <a:ext cx="7587719" cy="6858000"/>
           </a:xfrm>
           <a:prstGeom prst="rect">
             <a:avLst/>
